--- a/Apresentação/Laboratório de TI.pptx
+++ b/Apresentação/Laboratório de TI.pptx
@@ -5,11 +5,13 @@
     <p:sldMasterId id="2147483648" r:id="rId1"/>
   </p:sldMasterIdLst>
   <p:notesMasterIdLst>
-    <p:notesMasterId r:id="rId4"/>
+    <p:notesMasterId r:id="rId6"/>
   </p:notesMasterIdLst>
   <p:sldIdLst>
     <p:sldId id="256" r:id="rId2"/>
-    <p:sldId id="257" r:id="rId3"/>
+    <p:sldId id="258" r:id="rId3"/>
+    <p:sldId id="259" r:id="rId4"/>
+    <p:sldId id="257" r:id="rId5"/>
   </p:sldIdLst>
   <p:sldSz cx="12192000" cy="6858000"/>
   <p:notesSz cx="6858000" cy="9144000"/>
@@ -108,6 +110,11 @@
       </a:defRPr>
     </a:lvl9pPr>
   </p:defaultTextStyle>
+  <p:extLst>
+    <p:ext uri="{EFAFB233-063F-42B5-8137-9DF3F51BA10A}">
+      <p15:sldGuideLst xmlns:p15="http://schemas.microsoft.com/office/powerpoint/2012/main"/>
+    </p:ext>
+  </p:extLst>
 </p:presentation>
 </file>
 
@@ -193,7 +200,7 @@
           <a:p>
             <a:fld id="{F311D95C-11BD-45BA-AE6F-2E3B502E558A}" type="datetimeFigureOut">
               <a:rPr lang="pt-PT" smtClean="0"/>
-              <a:t>21/04/2023</a:t>
+              <a:t>02/05/2023</a:t>
             </a:fld>
             <a:endParaRPr lang="pt-PT"/>
           </a:p>
@@ -460,6 +467,90 @@
 </p:notesMaster>
 </file>
 
+<file path=ppt/notesSlides/notesSlide1.xml><?xml version="1.0" encoding="utf-8"?>
+<p:notes xmlns:a="http://schemas.openxmlformats.org/drawingml/2006/main" xmlns:r="http://schemas.openxmlformats.org/officeDocument/2006/relationships" xmlns:p="http://schemas.openxmlformats.org/presentationml/2006/main">
+  <p:cSld>
+    <p:spTree>
+      <p:nvGrpSpPr>
+        <p:cNvPr id="1" name=""/>
+        <p:cNvGrpSpPr/>
+        <p:nvPr/>
+      </p:nvGrpSpPr>
+      <p:grpSpPr>
+        <a:xfrm>
+          <a:off x="0" y="0"/>
+          <a:ext cx="0" cy="0"/>
+          <a:chOff x="0" y="0"/>
+          <a:chExt cx="0" cy="0"/>
+        </a:xfrm>
+      </p:grpSpPr>
+      <p:sp>
+        <p:nvSpPr>
+          <p:cNvPr id="2" name="Marcador de Posição da Imagem do Diapositivo 1"/>
+          <p:cNvSpPr>
+            <a:spLocks noGrp="1" noRot="1" noChangeAspect="1"/>
+          </p:cNvSpPr>
+          <p:nvPr>
+            <p:ph type="sldImg"/>
+          </p:nvPr>
+        </p:nvSpPr>
+        <p:spPr/>
+      </p:sp>
+      <p:sp>
+        <p:nvSpPr>
+          <p:cNvPr id="3" name="Marcador de Posição de Notas 2"/>
+          <p:cNvSpPr>
+            <a:spLocks noGrp="1"/>
+          </p:cNvSpPr>
+          <p:nvPr>
+            <p:ph type="body" idx="1"/>
+          </p:nvPr>
+        </p:nvSpPr>
+        <p:spPr/>
+        <p:txBody>
+          <a:bodyPr/>
+          <a:lstStyle/>
+          <a:p>
+            <a:endParaRPr lang="pt-PT" dirty="0"/>
+          </a:p>
+        </p:txBody>
+      </p:sp>
+      <p:sp>
+        <p:nvSpPr>
+          <p:cNvPr id="4" name="Marcador de Posição do Número do Diapositivo 3"/>
+          <p:cNvSpPr>
+            <a:spLocks noGrp="1"/>
+          </p:cNvSpPr>
+          <p:nvPr>
+            <p:ph type="sldNum" sz="quarter" idx="5"/>
+          </p:nvPr>
+        </p:nvSpPr>
+        <p:spPr/>
+        <p:txBody>
+          <a:bodyPr/>
+          <a:lstStyle/>
+          <a:p>
+            <a:fld id="{A56B8642-58CE-4260-9CEB-6D78CD1B82B7}" type="slidenum">
+              <a:rPr lang="pt-PT" smtClean="0"/>
+              <a:t>1</a:t>
+            </a:fld>
+            <a:endParaRPr lang="pt-PT"/>
+          </a:p>
+        </p:txBody>
+      </p:sp>
+    </p:spTree>
+    <p:extLst>
+      <p:ext uri="{BB962C8B-B14F-4D97-AF65-F5344CB8AC3E}">
+        <p14:creationId xmlns:p14="http://schemas.microsoft.com/office/powerpoint/2010/main" val="1317739383"/>
+      </p:ext>
+    </p:extLst>
+  </p:cSld>
+  <p:clrMapOvr>
+    <a:masterClrMapping/>
+  </p:clrMapOvr>
+</p:notes>
+</file>
+
 <file path=ppt/slideLayouts/slideLayout1.xml><?xml version="1.0" encoding="utf-8"?>
 <p:sldLayout xmlns:a="http://schemas.openxmlformats.org/drawingml/2006/main" xmlns:r="http://schemas.openxmlformats.org/officeDocument/2006/relationships" xmlns:p="http://schemas.openxmlformats.org/presentationml/2006/main" type="title" preserve="1">
   <p:cSld name="Diapositivo de Título">
@@ -605,9 +696,9 @@
           <a:bodyPr/>
           <a:lstStyle/>
           <a:p>
-            <a:fld id="{73233E7B-A345-4D81-8D77-470A60209A05}" type="datetimeFigureOut">
+            <a:fld id="{F4C9A8A4-75F8-4FD3-8FCD-4E41313E8154}" type="datetime1">
               <a:rPr lang="pt-PT" smtClean="0"/>
-              <a:t>21/04/2023</a:t>
+              <a:t>02/05/2023</a:t>
             </a:fld>
             <a:endParaRPr lang="pt-PT"/>
           </a:p>
@@ -634,7 +725,10 @@
           <a:bodyPr/>
           <a:lstStyle/>
           <a:p>
-            <a:endParaRPr lang="pt-PT"/>
+            <a:r>
+              <a:rPr lang="pt-PT"/>
+              <a:t>Ana Ortigoso | Marco Gaspar</a:t>
+            </a:r>
           </a:p>
         </p:txBody>
       </p:sp>
@@ -803,9 +897,9 @@
           <a:bodyPr/>
           <a:lstStyle/>
           <a:p>
-            <a:fld id="{73233E7B-A345-4D81-8D77-470A60209A05}" type="datetimeFigureOut">
+            <a:fld id="{0878E85B-5457-4E8D-93AD-CF3AB0764E17}" type="datetime1">
               <a:rPr lang="pt-PT" smtClean="0"/>
-              <a:t>21/04/2023</a:t>
+              <a:t>02/05/2023</a:t>
             </a:fld>
             <a:endParaRPr lang="pt-PT"/>
           </a:p>
@@ -832,7 +926,10 @@
           <a:bodyPr/>
           <a:lstStyle/>
           <a:p>
-            <a:endParaRPr lang="pt-PT"/>
+            <a:r>
+              <a:rPr lang="pt-PT"/>
+              <a:t>Ana Ortigoso | Marco Gaspar</a:t>
+            </a:r>
           </a:p>
         </p:txBody>
       </p:sp>
@@ -1011,9 +1108,9 @@
           <a:bodyPr/>
           <a:lstStyle/>
           <a:p>
-            <a:fld id="{73233E7B-A345-4D81-8D77-470A60209A05}" type="datetimeFigureOut">
+            <a:fld id="{A65B24F5-4CEF-4B14-BBD0-593183ACF42E}" type="datetime1">
               <a:rPr lang="pt-PT" smtClean="0"/>
-              <a:t>21/04/2023</a:t>
+              <a:t>02/05/2023</a:t>
             </a:fld>
             <a:endParaRPr lang="pt-PT"/>
           </a:p>
@@ -1040,7 +1137,10 @@
           <a:bodyPr/>
           <a:lstStyle/>
           <a:p>
-            <a:endParaRPr lang="pt-PT"/>
+            <a:r>
+              <a:rPr lang="pt-PT"/>
+              <a:t>Ana Ortigoso | Marco Gaspar</a:t>
+            </a:r>
           </a:p>
         </p:txBody>
       </p:sp>
@@ -1209,9 +1309,9 @@
           <a:bodyPr/>
           <a:lstStyle/>
           <a:p>
-            <a:fld id="{73233E7B-A345-4D81-8D77-470A60209A05}" type="datetimeFigureOut">
+            <a:fld id="{540EDFFD-96A2-4168-AB17-340EFF1C5DB5}" type="datetime1">
               <a:rPr lang="pt-PT" smtClean="0"/>
-              <a:t>21/04/2023</a:t>
+              <a:t>02/05/2023</a:t>
             </a:fld>
             <a:endParaRPr lang="pt-PT"/>
           </a:p>
@@ -1238,7 +1338,10 @@
           <a:bodyPr/>
           <a:lstStyle/>
           <a:p>
-            <a:endParaRPr lang="pt-PT"/>
+            <a:r>
+              <a:rPr lang="pt-PT"/>
+              <a:t>Ana Ortigoso | Marco Gaspar</a:t>
+            </a:r>
           </a:p>
         </p:txBody>
       </p:sp>
@@ -1484,9 +1587,9 @@
           <a:bodyPr/>
           <a:lstStyle/>
           <a:p>
-            <a:fld id="{73233E7B-A345-4D81-8D77-470A60209A05}" type="datetimeFigureOut">
+            <a:fld id="{6B2DD5C7-458A-484F-8253-D2DAFB4A9D58}" type="datetime1">
               <a:rPr lang="pt-PT" smtClean="0"/>
-              <a:t>21/04/2023</a:t>
+              <a:t>02/05/2023</a:t>
             </a:fld>
             <a:endParaRPr lang="pt-PT"/>
           </a:p>
@@ -1513,7 +1616,10 @@
           <a:bodyPr/>
           <a:lstStyle/>
           <a:p>
-            <a:endParaRPr lang="pt-PT"/>
+            <a:r>
+              <a:rPr lang="pt-PT"/>
+              <a:t>Ana Ortigoso | Marco Gaspar</a:t>
+            </a:r>
           </a:p>
         </p:txBody>
       </p:sp>
@@ -1749,9 +1855,9 @@
           <a:bodyPr/>
           <a:lstStyle/>
           <a:p>
-            <a:fld id="{73233E7B-A345-4D81-8D77-470A60209A05}" type="datetimeFigureOut">
+            <a:fld id="{81E6C49F-0C07-44A8-BE47-532C590438AD}" type="datetime1">
               <a:rPr lang="pt-PT" smtClean="0"/>
-              <a:t>21/04/2023</a:t>
+              <a:t>02/05/2023</a:t>
             </a:fld>
             <a:endParaRPr lang="pt-PT"/>
           </a:p>
@@ -1778,7 +1884,10 @@
           <a:bodyPr/>
           <a:lstStyle/>
           <a:p>
-            <a:endParaRPr lang="pt-PT"/>
+            <a:r>
+              <a:rPr lang="pt-PT"/>
+              <a:t>Ana Ortigoso | Marco Gaspar</a:t>
+            </a:r>
           </a:p>
         </p:txBody>
       </p:sp>
@@ -2161,9 +2270,9 @@
           <a:bodyPr/>
           <a:lstStyle/>
           <a:p>
-            <a:fld id="{73233E7B-A345-4D81-8D77-470A60209A05}" type="datetimeFigureOut">
+            <a:fld id="{8EAC9A0B-8E4E-4A97-A851-289C28DC56A4}" type="datetime1">
               <a:rPr lang="pt-PT" smtClean="0"/>
-              <a:t>21/04/2023</a:t>
+              <a:t>02/05/2023</a:t>
             </a:fld>
             <a:endParaRPr lang="pt-PT"/>
           </a:p>
@@ -2190,7 +2299,10 @@
           <a:bodyPr/>
           <a:lstStyle/>
           <a:p>
-            <a:endParaRPr lang="pt-PT"/>
+            <a:r>
+              <a:rPr lang="pt-PT"/>
+              <a:t>Ana Ortigoso | Marco Gaspar</a:t>
+            </a:r>
           </a:p>
         </p:txBody>
       </p:sp>
@@ -2302,9 +2414,9 @@
           <a:bodyPr/>
           <a:lstStyle/>
           <a:p>
-            <a:fld id="{73233E7B-A345-4D81-8D77-470A60209A05}" type="datetimeFigureOut">
+            <a:fld id="{173CC1C9-6318-48C3-8277-0D2331433EA1}" type="datetime1">
               <a:rPr lang="pt-PT" smtClean="0"/>
-              <a:t>21/04/2023</a:t>
+              <a:t>02/05/2023</a:t>
             </a:fld>
             <a:endParaRPr lang="pt-PT"/>
           </a:p>
@@ -2331,7 +2443,10 @@
           <a:bodyPr/>
           <a:lstStyle/>
           <a:p>
-            <a:endParaRPr lang="pt-PT"/>
+            <a:r>
+              <a:rPr lang="pt-PT"/>
+              <a:t>Ana Ortigoso | Marco Gaspar</a:t>
+            </a:r>
           </a:p>
         </p:txBody>
       </p:sp>
@@ -2415,9 +2530,9 @@
           <a:bodyPr/>
           <a:lstStyle/>
           <a:p>
-            <a:fld id="{73233E7B-A345-4D81-8D77-470A60209A05}" type="datetimeFigureOut">
+            <a:fld id="{4C00419D-1CE4-426D-B2E1-0C92751875C6}" type="datetime1">
               <a:rPr lang="pt-PT" smtClean="0"/>
-              <a:t>21/04/2023</a:t>
+              <a:t>02/05/2023</a:t>
             </a:fld>
             <a:endParaRPr lang="pt-PT"/>
           </a:p>
@@ -2444,7 +2559,10 @@
           <a:bodyPr/>
           <a:lstStyle/>
           <a:p>
-            <a:endParaRPr lang="pt-PT"/>
+            <a:r>
+              <a:rPr lang="pt-PT"/>
+              <a:t>Ana Ortigoso | Marco Gaspar</a:t>
+            </a:r>
           </a:p>
         </p:txBody>
       </p:sp>
@@ -2726,9 +2844,9 @@
           <a:bodyPr/>
           <a:lstStyle/>
           <a:p>
-            <a:fld id="{73233E7B-A345-4D81-8D77-470A60209A05}" type="datetimeFigureOut">
+            <a:fld id="{2B4DB865-401C-4FB2-90DE-7D738353F255}" type="datetime1">
               <a:rPr lang="pt-PT" smtClean="0"/>
-              <a:t>21/04/2023</a:t>
+              <a:t>02/05/2023</a:t>
             </a:fld>
             <a:endParaRPr lang="pt-PT"/>
           </a:p>
@@ -2755,7 +2873,10 @@
           <a:bodyPr/>
           <a:lstStyle/>
           <a:p>
-            <a:endParaRPr lang="pt-PT"/>
+            <a:r>
+              <a:rPr lang="pt-PT"/>
+              <a:t>Ana Ortigoso | Marco Gaspar</a:t>
+            </a:r>
           </a:p>
         </p:txBody>
       </p:sp>
@@ -3014,9 +3135,9 @@
           <a:bodyPr/>
           <a:lstStyle/>
           <a:p>
-            <a:fld id="{73233E7B-A345-4D81-8D77-470A60209A05}" type="datetimeFigureOut">
+            <a:fld id="{470DE31C-A3BE-4EF2-BAF8-ED3E71F9FE09}" type="datetime1">
               <a:rPr lang="pt-PT" smtClean="0"/>
-              <a:t>21/04/2023</a:t>
+              <a:t>02/05/2023</a:t>
             </a:fld>
             <a:endParaRPr lang="pt-PT"/>
           </a:p>
@@ -3043,7 +3164,10 @@
           <a:bodyPr/>
           <a:lstStyle/>
           <a:p>
-            <a:endParaRPr lang="pt-PT"/>
+            <a:r>
+              <a:rPr lang="pt-PT"/>
+              <a:t>Ana Ortigoso | Marco Gaspar</a:t>
+            </a:r>
           </a:p>
         </p:txBody>
       </p:sp>
@@ -3255,9 +3379,9 @@
             </a:lvl1pPr>
           </a:lstStyle>
           <a:p>
-            <a:fld id="{73233E7B-A345-4D81-8D77-470A60209A05}" type="datetimeFigureOut">
+            <a:fld id="{D2D54361-4B55-4CDD-9CDE-9E16D8D0B3BA}" type="datetime1">
               <a:rPr lang="pt-PT" smtClean="0"/>
-              <a:t>21/04/2023</a:t>
+              <a:t>02/05/2023</a:t>
             </a:fld>
             <a:endParaRPr lang="pt-PT"/>
           </a:p>
@@ -3302,7 +3426,10 @@
             </a:lvl1pPr>
           </a:lstStyle>
           <a:p>
-            <a:endParaRPr lang="pt-PT"/>
+            <a:r>
+              <a:rPr lang="pt-PT"/>
+              <a:t>Ana Ortigoso | Marco Gaspar</a:t>
+            </a:r>
           </a:p>
         </p:txBody>
       </p:sp>
@@ -3374,6 +3501,7 @@
     <p:sldLayoutId id="2147483658" r:id="rId10"/>
     <p:sldLayoutId id="2147483659" r:id="rId11"/>
   </p:sldLayoutIdLst>
+  <p:hf hdr="0" dt="0"/>
   <p:txStyles>
     <p:titleStyle>
       <a:lvl1pPr algn="l" defTabSz="914400" rtl="0" eaLnBrk="1" latinLnBrk="0" hangingPunct="1">
@@ -3757,7 +3885,7 @@
           <p:nvPr/>
         </p:nvPicPr>
         <p:blipFill rotWithShape="1">
-          <a:blip r:embed="rId2">
+          <a:blip r:embed="rId3">
             <a:extLst>
               <a:ext uri="{28A0092B-C50C-407E-A947-70E740481C1C}">
                 <a14:useLocalDpi xmlns:a14="http://schemas.microsoft.com/office/drawing/2010/main" val="0"/>
@@ -3876,7 +4004,7 @@
         </p:nvSpPr>
         <p:spPr>
           <a:xfrm>
-            <a:off x="481029" y="1620792"/>
+            <a:off x="481029" y="1967553"/>
             <a:ext cx="6060472" cy="2391587"/>
           </a:xfrm>
         </p:spPr>
@@ -3912,7 +4040,7 @@
         </p:nvSpPr>
         <p:spPr>
           <a:xfrm>
-            <a:off x="458169" y="5562274"/>
+            <a:off x="458169" y="4633137"/>
             <a:ext cx="4023359" cy="1208141"/>
           </a:xfrm>
         </p:spPr>
@@ -4103,6 +4231,71 @@
           </a:p>
         </p:txBody>
       </p:sp>
+      <p:pic>
+        <p:nvPicPr>
+          <p:cNvPr id="6" name="Imagem 5" descr="Uma imagem com texto&#10;&#10;Descrição gerada automaticamente">
+            <a:extLst>
+              <a:ext uri="{FF2B5EF4-FFF2-40B4-BE49-F238E27FC236}">
+                <a16:creationId xmlns:a16="http://schemas.microsoft.com/office/drawing/2014/main" id="{25E0B0A2-66AC-114E-C0F5-D54E5E1C7100}"/>
+              </a:ext>
+            </a:extLst>
+          </p:cNvPr>
+          <p:cNvPicPr>
+            <a:picLocks noChangeAspect="1"/>
+          </p:cNvPicPr>
+          <p:nvPr/>
+        </p:nvPicPr>
+        <p:blipFill>
+          <a:blip r:embed="rId4">
+            <a:extLst>
+              <a:ext uri="{28A0092B-C50C-407E-A947-70E740481C1C}">
+                <a14:useLocalDpi xmlns:a14="http://schemas.microsoft.com/office/drawing/2010/main" val="0"/>
+              </a:ext>
+            </a:extLst>
+          </a:blip>
+          <a:stretch>
+            <a:fillRect/>
+          </a:stretch>
+        </p:blipFill>
+        <p:spPr>
+          <a:xfrm>
+            <a:off x="305483" y="5605334"/>
+            <a:ext cx="3512971" cy="978669"/>
+          </a:xfrm>
+          <a:prstGeom prst="rect">
+            <a:avLst/>
+          </a:prstGeom>
+        </p:spPr>
+      </p:pic>
+      <p:sp>
+        <p:nvSpPr>
+          <p:cNvPr id="8" name="Marcador de Posição do Número do Diapositivo 7">
+            <a:extLst>
+              <a:ext uri="{FF2B5EF4-FFF2-40B4-BE49-F238E27FC236}">
+                <a16:creationId xmlns:a16="http://schemas.microsoft.com/office/drawing/2014/main" id="{FB4D4ADE-3EB9-4815-58B1-79C23634FCEB}"/>
+              </a:ext>
+            </a:extLst>
+          </p:cNvPr>
+          <p:cNvSpPr>
+            <a:spLocks noGrp="1"/>
+          </p:cNvSpPr>
+          <p:nvPr>
+            <p:ph type="sldNum" sz="quarter" idx="12"/>
+          </p:nvPr>
+        </p:nvSpPr>
+        <p:spPr/>
+        <p:txBody>
+          <a:bodyPr/>
+          <a:lstStyle/>
+          <a:p>
+            <a:fld id="{D2488979-0601-44F6-98C5-0A7FB925EDBF}" type="slidenum">
+              <a:rPr lang="pt-PT" sz="3200" smtClean="0"/>
+              <a:t>1</a:t>
+            </a:fld>
+            <a:endParaRPr lang="pt-PT" sz="3200" dirty="0"/>
+          </a:p>
+        </p:txBody>
+      </p:sp>
     </p:spTree>
     <p:extLst>
       <p:ext uri="{BB962C8B-B14F-4D97-AF65-F5344CB8AC3E}">
@@ -4133,11 +4326,878 @@
           <a:chExt cx="0" cy="0"/>
         </a:xfrm>
       </p:grpSpPr>
+      <p:pic>
+        <p:nvPicPr>
+          <p:cNvPr id="8" name="Marcador de Posição de Conteúdo 7">
+            <a:extLst>
+              <a:ext uri="{FF2B5EF4-FFF2-40B4-BE49-F238E27FC236}">
+                <a16:creationId xmlns:a16="http://schemas.microsoft.com/office/drawing/2014/main" id="{BB51C3F7-7A69-D1A0-6F48-C0E8FEFE091A}"/>
+              </a:ext>
+            </a:extLst>
+          </p:cNvPr>
+          <p:cNvPicPr>
+            <a:picLocks noGrp="1" noChangeAspect="1"/>
+          </p:cNvPicPr>
+          <p:nvPr>
+            <p:ph idx="1"/>
+          </p:nvPr>
+        </p:nvPicPr>
+        <p:blipFill rotWithShape="1">
+          <a:blip r:embed="rId2">
+            <a:extLst>
+              <a:ext uri="{28A0092B-C50C-407E-A947-70E740481C1C}">
+                <a14:useLocalDpi xmlns:a14="http://schemas.microsoft.com/office/drawing/2010/main" val="0"/>
+              </a:ext>
+            </a:extLst>
+          </a:blip>
+          <a:srcRect l="3277" b="15785"/>
+          <a:stretch/>
+        </p:blipFill>
+        <p:spPr>
+          <a:xfrm>
+            <a:off x="0" y="1"/>
+            <a:ext cx="12192000" cy="6858000"/>
+          </a:xfrm>
+        </p:spPr>
+      </p:pic>
       <p:sp>
         <p:nvSpPr>
           <p:cNvPr id="2" name="Título 1">
             <a:extLst>
               <a:ext uri="{FF2B5EF4-FFF2-40B4-BE49-F238E27FC236}">
+                <a16:creationId xmlns:a16="http://schemas.microsoft.com/office/drawing/2014/main" id="{D2F66B9F-FE19-56F1-71A1-5A583349BD38}"/>
+              </a:ext>
+            </a:extLst>
+          </p:cNvPr>
+          <p:cNvSpPr>
+            <a:spLocks noGrp="1"/>
+          </p:cNvSpPr>
+          <p:nvPr>
+            <p:ph type="title"/>
+          </p:nvPr>
+        </p:nvSpPr>
+        <p:spPr>
+          <a:xfrm>
+            <a:off x="570270" y="315964"/>
+            <a:ext cx="6257421" cy="1031058"/>
+          </a:xfrm>
+        </p:spPr>
+        <p:txBody>
+          <a:bodyPr/>
+          <a:lstStyle/>
+          <a:p>
+            <a:r>
+              <a:rPr lang="pt-PT" dirty="0">
+                <a:solidFill>
+                  <a:schemeClr val="bg1"/>
+                </a:solidFill>
+                <a:latin typeface="Arial Black" panose="020B0A04020102020204" pitchFamily="34" charset="0"/>
+                <a:ea typeface="Adobe Gothic Std B" panose="020B0800000000000000" pitchFamily="34" charset="-128"/>
+              </a:rPr>
+              <a:t>Sumário</a:t>
+            </a:r>
+          </a:p>
+        </p:txBody>
+      </p:sp>
+      <p:sp>
+        <p:nvSpPr>
+          <p:cNvPr id="4" name="Marcador de Posição do Número do Diapositivo 3">
+            <a:extLst>
+              <a:ext uri="{FF2B5EF4-FFF2-40B4-BE49-F238E27FC236}">
+                <a16:creationId xmlns:a16="http://schemas.microsoft.com/office/drawing/2014/main" id="{39C82BA1-E088-4747-CDFF-5102A599A40D}"/>
+              </a:ext>
+            </a:extLst>
+          </p:cNvPr>
+          <p:cNvSpPr>
+            <a:spLocks noGrp="1"/>
+          </p:cNvSpPr>
+          <p:nvPr>
+            <p:ph type="sldNum" sz="quarter" idx="12"/>
+          </p:nvPr>
+        </p:nvSpPr>
+        <p:spPr/>
+        <p:txBody>
+          <a:bodyPr/>
+          <a:lstStyle/>
+          <a:p>
+            <a:fld id="{D2488979-0601-44F6-98C5-0A7FB925EDBF}" type="slidenum">
+              <a:rPr lang="pt-PT" smtClean="0">
+                <a:solidFill>
+                  <a:schemeClr val="bg1"/>
+                </a:solidFill>
+              </a:rPr>
+              <a:t>2</a:t>
+            </a:fld>
+            <a:endParaRPr lang="pt-PT" dirty="0">
+              <a:solidFill>
+                <a:schemeClr val="bg1"/>
+              </a:solidFill>
+            </a:endParaRPr>
+          </a:p>
+        </p:txBody>
+      </p:sp>
+      <p:sp>
+        <p:nvSpPr>
+          <p:cNvPr id="10" name="Retângulo 9">
+            <a:extLst>
+              <a:ext uri="{FF2B5EF4-FFF2-40B4-BE49-F238E27FC236}">
+                <a16:creationId xmlns:a16="http://schemas.microsoft.com/office/drawing/2014/main" id="{4698BFB4-2B0F-0CB5-A4B7-60DA5BC838A8}"/>
+              </a:ext>
+            </a:extLst>
+          </p:cNvPr>
+          <p:cNvSpPr/>
+          <p:nvPr/>
+        </p:nvSpPr>
+        <p:spPr>
+          <a:xfrm>
+            <a:off x="0" y="1347021"/>
+            <a:ext cx="6803923" cy="49161"/>
+          </a:xfrm>
+          <a:prstGeom prst="rect">
+            <a:avLst/>
+          </a:prstGeom>
+          <a:solidFill>
+            <a:schemeClr val="bg1"/>
+          </a:solidFill>
+          <a:ln>
+            <a:noFill/>
+          </a:ln>
+        </p:spPr>
+        <p:style>
+          <a:lnRef idx="2">
+            <a:schemeClr val="accent1">
+              <a:shade val="50000"/>
+            </a:schemeClr>
+          </a:lnRef>
+          <a:fillRef idx="1">
+            <a:schemeClr val="accent1"/>
+          </a:fillRef>
+          <a:effectRef idx="0">
+            <a:schemeClr val="accent1"/>
+          </a:effectRef>
+          <a:fontRef idx="minor">
+            <a:schemeClr val="lt1"/>
+          </a:fontRef>
+        </p:style>
+        <p:txBody>
+          <a:bodyPr rtlCol="0" anchor="ctr"/>
+          <a:lstStyle/>
+          <a:p>
+            <a:pPr algn="ctr"/>
+            <a:endParaRPr lang="pt-PT"/>
+          </a:p>
+        </p:txBody>
+      </p:sp>
+      <p:pic>
+        <p:nvPicPr>
+          <p:cNvPr id="12" name="Imagem 11">
+            <a:extLst>
+              <a:ext uri="{FF2B5EF4-FFF2-40B4-BE49-F238E27FC236}">
+                <a16:creationId xmlns:a16="http://schemas.microsoft.com/office/drawing/2014/main" id="{077F1529-5B50-C272-9FDC-5BC688F62B46}"/>
+              </a:ext>
+            </a:extLst>
+          </p:cNvPr>
+          <p:cNvPicPr>
+            <a:picLocks noChangeAspect="1"/>
+          </p:cNvPicPr>
+          <p:nvPr/>
+        </p:nvPicPr>
+        <p:blipFill rotWithShape="1">
+          <a:blip r:embed="rId3">
+            <a:extLst>
+              <a:ext uri="{28A0092B-C50C-407E-A947-70E740481C1C}">
+                <a14:useLocalDpi xmlns:a14="http://schemas.microsoft.com/office/drawing/2010/main" val="0"/>
+              </a:ext>
+            </a:extLst>
+          </a:blip>
+          <a:srcRect r="50000"/>
+          <a:stretch/>
+        </p:blipFill>
+        <p:spPr>
+          <a:xfrm>
+            <a:off x="1159859" y="2232653"/>
+            <a:ext cx="1544012" cy="2561292"/>
+          </a:xfrm>
+          <a:prstGeom prst="rect">
+            <a:avLst/>
+          </a:prstGeom>
+        </p:spPr>
+      </p:pic>
+      <p:sp>
+        <p:nvSpPr>
+          <p:cNvPr id="14" name="CaixaDeTexto 13">
+            <a:extLst>
+              <a:ext uri="{FF2B5EF4-FFF2-40B4-BE49-F238E27FC236}">
+                <a16:creationId xmlns:a16="http://schemas.microsoft.com/office/drawing/2014/main" id="{76673581-9993-4000-983C-3A2FE29944A9}"/>
+              </a:ext>
+            </a:extLst>
+          </p:cNvPr>
+          <p:cNvSpPr txBox="1"/>
+          <p:nvPr/>
+        </p:nvSpPr>
+        <p:spPr>
+          <a:xfrm>
+            <a:off x="570271" y="4843104"/>
+            <a:ext cx="3487237" cy="369332"/>
+          </a:xfrm>
+          <a:prstGeom prst="rect">
+            <a:avLst/>
+          </a:prstGeom>
+          <a:noFill/>
+        </p:spPr>
+        <p:txBody>
+          <a:bodyPr wrap="none" rtlCol="0">
+            <a:spAutoFit/>
+          </a:bodyPr>
+          <a:lstStyle/>
+          <a:p>
+            <a:r>
+              <a:rPr lang="pt-PT" dirty="0">
+                <a:latin typeface="Arial Black" panose="020B0A04020102020204" pitchFamily="34" charset="0"/>
+              </a:rPr>
+              <a:t>Configurar infraestruturas</a:t>
+            </a:r>
+          </a:p>
+        </p:txBody>
+      </p:sp>
+      <p:pic>
+        <p:nvPicPr>
+          <p:cNvPr id="16" name="Imagem 15">
+            <a:extLst>
+              <a:ext uri="{FF2B5EF4-FFF2-40B4-BE49-F238E27FC236}">
+                <a16:creationId xmlns:a16="http://schemas.microsoft.com/office/drawing/2014/main" id="{02786C69-A2F1-4152-0BA1-04F8FE9288E2}"/>
+              </a:ext>
+            </a:extLst>
+          </p:cNvPr>
+          <p:cNvPicPr>
+            <a:picLocks noChangeAspect="1"/>
+          </p:cNvPicPr>
+          <p:nvPr/>
+        </p:nvPicPr>
+        <p:blipFill rotWithShape="1">
+          <a:blip r:embed="rId4">
+            <a:extLst>
+              <a:ext uri="{28A0092B-C50C-407E-A947-70E740481C1C}">
+                <a14:useLocalDpi xmlns:a14="http://schemas.microsoft.com/office/drawing/2010/main" val="0"/>
+              </a:ext>
+            </a:extLst>
+          </a:blip>
+          <a:srcRect r="50044"/>
+          <a:stretch/>
+        </p:blipFill>
+        <p:spPr>
+          <a:xfrm>
+            <a:off x="9834358" y="1938666"/>
+            <a:ext cx="1455075" cy="2415878"/>
+          </a:xfrm>
+          <a:prstGeom prst="rect">
+            <a:avLst/>
+          </a:prstGeom>
+        </p:spPr>
+      </p:pic>
+      <p:sp>
+        <p:nvSpPr>
+          <p:cNvPr id="17" name="CaixaDeTexto 16">
+            <a:extLst>
+              <a:ext uri="{FF2B5EF4-FFF2-40B4-BE49-F238E27FC236}">
+                <a16:creationId xmlns:a16="http://schemas.microsoft.com/office/drawing/2014/main" id="{A0061CAD-980B-D8D6-EA2B-2A0BE83C6BD0}"/>
+              </a:ext>
+            </a:extLst>
+          </p:cNvPr>
+          <p:cNvSpPr txBox="1"/>
+          <p:nvPr/>
+        </p:nvSpPr>
+        <p:spPr>
+          <a:xfrm>
+            <a:off x="9834358" y="4238141"/>
+            <a:ext cx="1544012" cy="369332"/>
+          </a:xfrm>
+          <a:prstGeom prst="rect">
+            <a:avLst/>
+          </a:prstGeom>
+          <a:noFill/>
+        </p:spPr>
+        <p:txBody>
+          <a:bodyPr wrap="none" rtlCol="0">
+            <a:spAutoFit/>
+          </a:bodyPr>
+          <a:lstStyle/>
+          <a:p>
+            <a:r>
+              <a:rPr lang="pt-PT" dirty="0">
+                <a:latin typeface="Arial Black" panose="020B0A04020102020204" pitchFamily="34" charset="0"/>
+              </a:rPr>
+              <a:t>Comunicar</a:t>
+            </a:r>
+          </a:p>
+        </p:txBody>
+      </p:sp>
+      <p:pic>
+        <p:nvPicPr>
+          <p:cNvPr id="19" name="Imagem 18">
+            <a:extLst>
+              <a:ext uri="{FF2B5EF4-FFF2-40B4-BE49-F238E27FC236}">
+                <a16:creationId xmlns:a16="http://schemas.microsoft.com/office/drawing/2014/main" id="{C13B9926-84C9-1C57-A083-11A18E9D3536}"/>
+              </a:ext>
+            </a:extLst>
+          </p:cNvPr>
+          <p:cNvPicPr>
+            <a:picLocks noChangeAspect="1"/>
+          </p:cNvPicPr>
+          <p:nvPr/>
+        </p:nvPicPr>
+        <p:blipFill rotWithShape="1">
+          <a:blip r:embed="rId5">
+            <a:extLst>
+              <a:ext uri="{28A0092B-C50C-407E-A947-70E740481C1C}">
+                <a14:useLocalDpi xmlns:a14="http://schemas.microsoft.com/office/drawing/2010/main" val="0"/>
+              </a:ext>
+            </a:extLst>
+          </a:blip>
+          <a:srcRect r="50150"/>
+          <a:stretch/>
+        </p:blipFill>
+        <p:spPr>
+          <a:xfrm>
+            <a:off x="4603200" y="2076529"/>
+            <a:ext cx="993058" cy="1647338"/>
+          </a:xfrm>
+          <a:prstGeom prst="rect">
+            <a:avLst/>
+          </a:prstGeom>
+        </p:spPr>
+      </p:pic>
+      <p:sp>
+        <p:nvSpPr>
+          <p:cNvPr id="20" name="CaixaDeTexto 19">
+            <a:extLst>
+              <a:ext uri="{FF2B5EF4-FFF2-40B4-BE49-F238E27FC236}">
+                <a16:creationId xmlns:a16="http://schemas.microsoft.com/office/drawing/2014/main" id="{3842BF35-972D-8F6C-8C93-939372B8E481}"/>
+              </a:ext>
+            </a:extLst>
+          </p:cNvPr>
+          <p:cNvSpPr txBox="1"/>
+          <p:nvPr/>
+        </p:nvSpPr>
+        <p:spPr>
+          <a:xfrm>
+            <a:off x="4414684" y="3619591"/>
+            <a:ext cx="1544012" cy="369332"/>
+          </a:xfrm>
+          <a:prstGeom prst="rect">
+            <a:avLst/>
+          </a:prstGeom>
+          <a:noFill/>
+        </p:spPr>
+        <p:txBody>
+          <a:bodyPr wrap="none" rtlCol="0">
+            <a:spAutoFit/>
+          </a:bodyPr>
+          <a:lstStyle/>
+          <a:p>
+            <a:r>
+              <a:rPr lang="pt-PT" dirty="0">
+                <a:latin typeface="Arial Black" panose="020B0A04020102020204" pitchFamily="34" charset="0"/>
+              </a:rPr>
+              <a:t>Comunicar</a:t>
+            </a:r>
+          </a:p>
+        </p:txBody>
+      </p:sp>
+      <p:pic>
+        <p:nvPicPr>
+          <p:cNvPr id="22" name="Imagem 21">
+            <a:extLst>
+              <a:ext uri="{FF2B5EF4-FFF2-40B4-BE49-F238E27FC236}">
+                <a16:creationId xmlns:a16="http://schemas.microsoft.com/office/drawing/2014/main" id="{D0868F62-55B2-1DD8-4C4A-E39BC764C4FA}"/>
+              </a:ext>
+            </a:extLst>
+          </p:cNvPr>
+          <p:cNvPicPr>
+            <a:picLocks noChangeAspect="1"/>
+          </p:cNvPicPr>
+          <p:nvPr/>
+        </p:nvPicPr>
+        <p:blipFill>
+          <a:blip r:embed="rId6">
+            <a:extLst>
+              <a:ext uri="{28A0092B-C50C-407E-A947-70E740481C1C}">
+                <a14:useLocalDpi xmlns:a14="http://schemas.microsoft.com/office/drawing/2010/main" val="0"/>
+              </a:ext>
+            </a:extLst>
+          </a:blip>
+          <a:stretch>
+            <a:fillRect/>
+          </a:stretch>
+        </p:blipFill>
+        <p:spPr>
+          <a:xfrm>
+            <a:off x="6827692" y="3095899"/>
+            <a:ext cx="3778672" cy="3134133"/>
+          </a:xfrm>
+          <a:prstGeom prst="rect">
+            <a:avLst/>
+          </a:prstGeom>
+        </p:spPr>
+      </p:pic>
+      <p:sp>
+        <p:nvSpPr>
+          <p:cNvPr id="23" name="CaixaDeTexto 22">
+            <a:extLst>
+              <a:ext uri="{FF2B5EF4-FFF2-40B4-BE49-F238E27FC236}">
+                <a16:creationId xmlns:a16="http://schemas.microsoft.com/office/drawing/2014/main" id="{8243E959-4EE7-8358-5512-9DE6DB8B7B02}"/>
+              </a:ext>
+            </a:extLst>
+          </p:cNvPr>
+          <p:cNvSpPr txBox="1"/>
+          <p:nvPr/>
+        </p:nvSpPr>
+        <p:spPr>
+          <a:xfrm>
+            <a:off x="7000394" y="6155636"/>
+            <a:ext cx="1544012" cy="369332"/>
+          </a:xfrm>
+          <a:prstGeom prst="rect">
+            <a:avLst/>
+          </a:prstGeom>
+          <a:noFill/>
+        </p:spPr>
+        <p:txBody>
+          <a:bodyPr wrap="none" rtlCol="0">
+            <a:spAutoFit/>
+          </a:bodyPr>
+          <a:lstStyle/>
+          <a:p>
+            <a:r>
+              <a:rPr lang="pt-PT" dirty="0">
+                <a:latin typeface="Arial Black" panose="020B0A04020102020204" pitchFamily="34" charset="0"/>
+              </a:rPr>
+              <a:t>Comunicar</a:t>
+            </a:r>
+          </a:p>
+        </p:txBody>
+      </p:sp>
+      <p:sp>
+        <p:nvSpPr>
+          <p:cNvPr id="47" name="Marcador de Posição do Rodapé 2">
+            <a:extLst>
+              <a:ext uri="{FF2B5EF4-FFF2-40B4-BE49-F238E27FC236}">
+                <a16:creationId xmlns:a16="http://schemas.microsoft.com/office/drawing/2014/main" id="{8AE84231-A3D1-6B9A-823D-73529941E726}"/>
+              </a:ext>
+            </a:extLst>
+          </p:cNvPr>
+          <p:cNvSpPr txBox="1">
+            <a:spLocks/>
+          </p:cNvSpPr>
+          <p:nvPr/>
+        </p:nvSpPr>
+        <p:spPr>
+          <a:xfrm>
+            <a:off x="292510" y="6310314"/>
+            <a:ext cx="4114800" cy="365125"/>
+          </a:xfrm>
+          <a:prstGeom prst="rect">
+            <a:avLst/>
+          </a:prstGeom>
+        </p:spPr>
+        <p:txBody>
+          <a:bodyPr vert="horz" lIns="91440" tIns="45720" rIns="91440" bIns="45720" rtlCol="0" anchor="ctr"/>
+          <a:lstStyle>
+            <a:defPPr>
+              <a:defRPr lang="pt-PT"/>
+            </a:defPPr>
+            <a:lvl1pPr marL="0" algn="ctr" defTabSz="914400" rtl="0" eaLnBrk="1" latinLnBrk="0" hangingPunct="1">
+              <a:defRPr sz="1200" kern="1200">
+                <a:solidFill>
+                  <a:schemeClr val="tx1">
+                    <a:tint val="75000"/>
+                  </a:schemeClr>
+                </a:solidFill>
+                <a:latin typeface="+mn-lt"/>
+                <a:ea typeface="+mn-ea"/>
+                <a:cs typeface="+mn-cs"/>
+              </a:defRPr>
+            </a:lvl1pPr>
+            <a:lvl2pPr marL="457200" algn="l" defTabSz="914400" rtl="0" eaLnBrk="1" latinLnBrk="0" hangingPunct="1">
+              <a:defRPr sz="1800" kern="1200">
+                <a:solidFill>
+                  <a:schemeClr val="tx1"/>
+                </a:solidFill>
+                <a:latin typeface="+mn-lt"/>
+                <a:ea typeface="+mn-ea"/>
+                <a:cs typeface="+mn-cs"/>
+              </a:defRPr>
+            </a:lvl2pPr>
+            <a:lvl3pPr marL="914400" algn="l" defTabSz="914400" rtl="0" eaLnBrk="1" latinLnBrk="0" hangingPunct="1">
+              <a:defRPr sz="1800" kern="1200">
+                <a:solidFill>
+                  <a:schemeClr val="tx1"/>
+                </a:solidFill>
+                <a:latin typeface="+mn-lt"/>
+                <a:ea typeface="+mn-ea"/>
+                <a:cs typeface="+mn-cs"/>
+              </a:defRPr>
+            </a:lvl3pPr>
+            <a:lvl4pPr marL="1371600" algn="l" defTabSz="914400" rtl="0" eaLnBrk="1" latinLnBrk="0" hangingPunct="1">
+              <a:defRPr sz="1800" kern="1200">
+                <a:solidFill>
+                  <a:schemeClr val="tx1"/>
+                </a:solidFill>
+                <a:latin typeface="+mn-lt"/>
+                <a:ea typeface="+mn-ea"/>
+                <a:cs typeface="+mn-cs"/>
+              </a:defRPr>
+            </a:lvl4pPr>
+            <a:lvl5pPr marL="1828800" algn="l" defTabSz="914400" rtl="0" eaLnBrk="1" latinLnBrk="0" hangingPunct="1">
+              <a:defRPr sz="1800" kern="1200">
+                <a:solidFill>
+                  <a:schemeClr val="tx1"/>
+                </a:solidFill>
+                <a:latin typeface="+mn-lt"/>
+                <a:ea typeface="+mn-ea"/>
+                <a:cs typeface="+mn-cs"/>
+              </a:defRPr>
+            </a:lvl5pPr>
+            <a:lvl6pPr marL="2286000" algn="l" defTabSz="914400" rtl="0" eaLnBrk="1" latinLnBrk="0" hangingPunct="1">
+              <a:defRPr sz="1800" kern="1200">
+                <a:solidFill>
+                  <a:schemeClr val="tx1"/>
+                </a:solidFill>
+                <a:latin typeface="+mn-lt"/>
+                <a:ea typeface="+mn-ea"/>
+                <a:cs typeface="+mn-cs"/>
+              </a:defRPr>
+            </a:lvl6pPr>
+            <a:lvl7pPr marL="2743200" algn="l" defTabSz="914400" rtl="0" eaLnBrk="1" latinLnBrk="0" hangingPunct="1">
+              <a:defRPr sz="1800" kern="1200">
+                <a:solidFill>
+                  <a:schemeClr val="tx1"/>
+                </a:solidFill>
+                <a:latin typeface="+mn-lt"/>
+                <a:ea typeface="+mn-ea"/>
+                <a:cs typeface="+mn-cs"/>
+              </a:defRPr>
+            </a:lvl7pPr>
+            <a:lvl8pPr marL="3200400" algn="l" defTabSz="914400" rtl="0" eaLnBrk="1" latinLnBrk="0" hangingPunct="1">
+              <a:defRPr sz="1800" kern="1200">
+                <a:solidFill>
+                  <a:schemeClr val="tx1"/>
+                </a:solidFill>
+                <a:latin typeface="+mn-lt"/>
+                <a:ea typeface="+mn-ea"/>
+                <a:cs typeface="+mn-cs"/>
+              </a:defRPr>
+            </a:lvl8pPr>
+            <a:lvl9pPr marL="3657600" algn="l" defTabSz="914400" rtl="0" eaLnBrk="1" latinLnBrk="0" hangingPunct="1">
+              <a:defRPr sz="1800" kern="1200">
+                <a:solidFill>
+                  <a:schemeClr val="tx1"/>
+                </a:solidFill>
+                <a:latin typeface="+mn-lt"/>
+                <a:ea typeface="+mn-ea"/>
+                <a:cs typeface="+mn-cs"/>
+              </a:defRPr>
+            </a:lvl9pPr>
+          </a:lstStyle>
+          <a:p>
+            <a:pPr algn="l"/>
+            <a:r>
+              <a:rPr lang="pt-PT">
+                <a:solidFill>
+                  <a:schemeClr val="bg1"/>
+                </a:solidFill>
+              </a:rPr>
+              <a:t>Ana Ortigoso | Marco Gaspar</a:t>
+            </a:r>
+            <a:endParaRPr lang="pt-PT" dirty="0">
+              <a:solidFill>
+                <a:schemeClr val="bg1"/>
+              </a:solidFill>
+            </a:endParaRPr>
+          </a:p>
+        </p:txBody>
+      </p:sp>
+    </p:spTree>
+    <p:extLst>
+      <p:ext uri="{BB962C8B-B14F-4D97-AF65-F5344CB8AC3E}">
+        <p14:creationId xmlns:p14="http://schemas.microsoft.com/office/powerpoint/2010/main" val="735953718"/>
+      </p:ext>
+    </p:extLst>
+  </p:cSld>
+  <p:clrMapOvr>
+    <a:masterClrMapping/>
+  </p:clrMapOvr>
+</p:sld>
+</file>
+
+<file path=ppt/slides/slide3.xml><?xml version="1.0" encoding="utf-8"?>
+<p:sld xmlns:a="http://schemas.openxmlformats.org/drawingml/2006/main" xmlns:r="http://schemas.openxmlformats.org/officeDocument/2006/relationships" xmlns:p="http://schemas.openxmlformats.org/presentationml/2006/main">
+  <p:cSld>
+    <p:spTree>
+      <p:nvGrpSpPr>
+        <p:cNvPr id="1" name=""/>
+        <p:cNvGrpSpPr/>
+        <p:nvPr/>
+      </p:nvGrpSpPr>
+      <p:grpSpPr>
+        <a:xfrm>
+          <a:off x="0" y="0"/>
+          <a:ext cx="0" cy="0"/>
+          <a:chOff x="0" y="0"/>
+          <a:chExt cx="0" cy="0"/>
+        </a:xfrm>
+      </p:grpSpPr>
+      <p:pic>
+        <p:nvPicPr>
+          <p:cNvPr id="8" name="Marcador de Posição de Conteúdo 7">
+            <a:extLst>
+              <a:ext uri="{FF2B5EF4-FFF2-40B4-BE49-F238E27FC236}">
+                <a16:creationId xmlns:a16="http://schemas.microsoft.com/office/drawing/2014/main" id="{BB51C3F7-7A69-D1A0-6F48-C0E8FEFE091A}"/>
+              </a:ext>
+            </a:extLst>
+          </p:cNvPr>
+          <p:cNvPicPr>
+            <a:picLocks noGrp="1" noChangeAspect="1"/>
+          </p:cNvPicPr>
+          <p:nvPr>
+            <p:ph idx="1"/>
+          </p:nvPr>
+        </p:nvPicPr>
+        <p:blipFill rotWithShape="1">
+          <a:blip r:embed="rId2">
+            <a:extLst>
+              <a:ext uri="{28A0092B-C50C-407E-A947-70E740481C1C}">
+                <a14:useLocalDpi xmlns:a14="http://schemas.microsoft.com/office/drawing/2010/main" val="0"/>
+              </a:ext>
+            </a:extLst>
+          </a:blip>
+          <a:srcRect l="3277" b="15785"/>
+          <a:stretch/>
+        </p:blipFill>
+        <p:spPr>
+          <a:xfrm>
+            <a:off x="0" y="1"/>
+            <a:ext cx="12192000" cy="6858000"/>
+          </a:xfrm>
+        </p:spPr>
+      </p:pic>
+      <p:sp>
+        <p:nvSpPr>
+          <p:cNvPr id="2" name="Título 1">
+            <a:extLst>
+              <a:ext uri="{FF2B5EF4-FFF2-40B4-BE49-F238E27FC236}">
+                <a16:creationId xmlns:a16="http://schemas.microsoft.com/office/drawing/2014/main" id="{D2F66B9F-FE19-56F1-71A1-5A583349BD38}"/>
+              </a:ext>
+            </a:extLst>
+          </p:cNvPr>
+          <p:cNvSpPr>
+            <a:spLocks noGrp="1"/>
+          </p:cNvSpPr>
+          <p:nvPr>
+            <p:ph type="title"/>
+          </p:nvPr>
+        </p:nvSpPr>
+        <p:spPr>
+          <a:xfrm>
+            <a:off x="570270" y="315964"/>
+            <a:ext cx="6257421" cy="1031058"/>
+          </a:xfrm>
+        </p:spPr>
+        <p:txBody>
+          <a:bodyPr/>
+          <a:lstStyle/>
+          <a:p>
+            <a:r>
+              <a:rPr lang="pt-PT" dirty="0">
+                <a:solidFill>
+                  <a:schemeClr val="bg1"/>
+                </a:solidFill>
+                <a:latin typeface="Arial Black" panose="020B0A04020102020204" pitchFamily="34" charset="0"/>
+                <a:ea typeface="Adobe Gothic Std B" panose="020B0800000000000000" pitchFamily="34" charset="-128"/>
+              </a:rPr>
+              <a:t>Sumário</a:t>
+            </a:r>
+          </a:p>
+        </p:txBody>
+      </p:sp>
+      <p:sp>
+        <p:nvSpPr>
+          <p:cNvPr id="4" name="Marcador de Posição do Número do Diapositivo 3">
+            <a:extLst>
+              <a:ext uri="{FF2B5EF4-FFF2-40B4-BE49-F238E27FC236}">
+                <a16:creationId xmlns:a16="http://schemas.microsoft.com/office/drawing/2014/main" id="{39C82BA1-E088-4747-CDFF-5102A599A40D}"/>
+              </a:ext>
+            </a:extLst>
+          </p:cNvPr>
+          <p:cNvSpPr>
+            <a:spLocks noGrp="1"/>
+          </p:cNvSpPr>
+          <p:nvPr>
+            <p:ph type="sldNum" sz="quarter" idx="12"/>
+          </p:nvPr>
+        </p:nvSpPr>
+        <p:spPr/>
+        <p:txBody>
+          <a:bodyPr/>
+          <a:lstStyle/>
+          <a:p>
+            <a:fld id="{D2488979-0601-44F6-98C5-0A7FB925EDBF}" type="slidenum">
+              <a:rPr lang="pt-PT" smtClean="0">
+                <a:solidFill>
+                  <a:schemeClr val="bg1"/>
+                </a:solidFill>
+              </a:rPr>
+              <a:t>3</a:t>
+            </a:fld>
+            <a:endParaRPr lang="pt-PT" dirty="0">
+              <a:solidFill>
+                <a:schemeClr val="bg1"/>
+              </a:solidFill>
+            </a:endParaRPr>
+          </a:p>
+        </p:txBody>
+      </p:sp>
+      <p:sp>
+        <p:nvSpPr>
+          <p:cNvPr id="10" name="Retângulo 9">
+            <a:extLst>
+              <a:ext uri="{FF2B5EF4-FFF2-40B4-BE49-F238E27FC236}">
+                <a16:creationId xmlns:a16="http://schemas.microsoft.com/office/drawing/2014/main" id="{4698BFB4-2B0F-0CB5-A4B7-60DA5BC838A8}"/>
+              </a:ext>
+            </a:extLst>
+          </p:cNvPr>
+          <p:cNvSpPr/>
+          <p:nvPr/>
+        </p:nvSpPr>
+        <p:spPr>
+          <a:xfrm>
+            <a:off x="0" y="1347021"/>
+            <a:ext cx="6803923" cy="49161"/>
+          </a:xfrm>
+          <a:prstGeom prst="rect">
+            <a:avLst/>
+          </a:prstGeom>
+          <a:solidFill>
+            <a:schemeClr val="bg1"/>
+          </a:solidFill>
+          <a:ln>
+            <a:noFill/>
+          </a:ln>
+        </p:spPr>
+        <p:style>
+          <a:lnRef idx="2">
+            <a:schemeClr val="accent1">
+              <a:shade val="50000"/>
+            </a:schemeClr>
+          </a:lnRef>
+          <a:fillRef idx="1">
+            <a:schemeClr val="accent1"/>
+          </a:fillRef>
+          <a:effectRef idx="0">
+            <a:schemeClr val="accent1"/>
+          </a:effectRef>
+          <a:fontRef idx="minor">
+            <a:schemeClr val="lt1"/>
+          </a:fontRef>
+        </p:style>
+        <p:txBody>
+          <a:bodyPr rtlCol="0" anchor="ctr"/>
+          <a:lstStyle/>
+          <a:p>
+            <a:pPr algn="ctr"/>
+            <a:endParaRPr lang="pt-PT"/>
+          </a:p>
+        </p:txBody>
+      </p:sp>
+      <p:sp>
+        <p:nvSpPr>
+          <p:cNvPr id="3" name="Marcador de Posição do Rodapé 2">
+            <a:extLst>
+              <a:ext uri="{FF2B5EF4-FFF2-40B4-BE49-F238E27FC236}">
+                <a16:creationId xmlns:a16="http://schemas.microsoft.com/office/drawing/2014/main" id="{97BCBF50-E662-E37D-68D7-5D4692D6EDCB}"/>
+              </a:ext>
+            </a:extLst>
+          </p:cNvPr>
+          <p:cNvSpPr>
+            <a:spLocks noGrp="1"/>
+          </p:cNvSpPr>
+          <p:nvPr>
+            <p:ph type="ftr" sz="quarter" idx="11"/>
+          </p:nvPr>
+        </p:nvSpPr>
+        <p:spPr>
+          <a:xfrm>
+            <a:off x="292510" y="6310314"/>
+            <a:ext cx="4114800" cy="365125"/>
+          </a:xfrm>
+        </p:spPr>
+        <p:txBody>
+          <a:bodyPr/>
+          <a:lstStyle/>
+          <a:p>
+            <a:pPr algn="l"/>
+            <a:r>
+              <a:rPr lang="pt-PT" dirty="0">
+                <a:solidFill>
+                  <a:schemeClr val="bg1"/>
+                </a:solidFill>
+              </a:rPr>
+              <a:t>Ana </a:t>
+            </a:r>
+            <a:r>
+              <a:rPr lang="pt-PT" dirty="0" err="1">
+                <a:solidFill>
+                  <a:schemeClr val="bg1"/>
+                </a:solidFill>
+              </a:rPr>
+              <a:t>Ortigoso</a:t>
+            </a:r>
+            <a:r>
+              <a:rPr lang="pt-PT" dirty="0">
+                <a:solidFill>
+                  <a:schemeClr val="bg1"/>
+                </a:solidFill>
+              </a:rPr>
+              <a:t> | Marco Gaspar</a:t>
+            </a:r>
+          </a:p>
+        </p:txBody>
+      </p:sp>
+    </p:spTree>
+    <p:extLst>
+      <p:ext uri="{BB962C8B-B14F-4D97-AF65-F5344CB8AC3E}">
+        <p14:creationId xmlns:p14="http://schemas.microsoft.com/office/powerpoint/2010/main" val="2334750202"/>
+      </p:ext>
+    </p:extLst>
+  </p:cSld>
+  <p:clrMapOvr>
+    <a:masterClrMapping/>
+  </p:clrMapOvr>
+</p:sld>
+</file>
+
+<file path=ppt/slides/slide4.xml><?xml version="1.0" encoding="utf-8"?>
+<p:sld xmlns:a="http://schemas.openxmlformats.org/drawingml/2006/main" xmlns:r="http://schemas.openxmlformats.org/officeDocument/2006/relationships" xmlns:p="http://schemas.openxmlformats.org/presentationml/2006/main">
+  <p:cSld>
+    <p:spTree>
+      <p:nvGrpSpPr>
+        <p:cNvPr id="1" name=""/>
+        <p:cNvGrpSpPr/>
+        <p:nvPr/>
+      </p:nvGrpSpPr>
+      <p:grpSpPr>
+        <a:xfrm>
+          <a:off x="0" y="0"/>
+          <a:ext cx="0" cy="0"/>
+          <a:chOff x="0" y="0"/>
+          <a:chExt cx="0" cy="0"/>
+        </a:xfrm>
+      </p:grpSpPr>
+      <p:sp>
+        <p:nvSpPr>
+          <p:cNvPr id="2" name="Título 1">
+            <a:extLst>
+              <a:ext uri="{FF2B5EF4-FFF2-40B4-BE49-F238E27FC236}">
                 <a16:creationId xmlns:a16="http://schemas.microsoft.com/office/drawing/2014/main" id="{377A1739-BA87-2C3C-71BD-A6BD95D4DF81}"/>
               </a:ext>
             </a:extLst>
@@ -4158,28 +5218,95 @@
           </a:p>
         </p:txBody>
       </p:sp>
-      <p:sp>
-        <p:nvSpPr>
-          <p:cNvPr id="3" name="Marcador de Posição de Conteúdo 2">
-            <a:extLst>
-              <a:ext uri="{FF2B5EF4-FFF2-40B4-BE49-F238E27FC236}">
-                <a16:creationId xmlns:a16="http://schemas.microsoft.com/office/drawing/2014/main" id="{FB45EDEE-0AC8-CB63-C728-C0F97C596044}"/>
-              </a:ext>
-            </a:extLst>
-          </p:cNvPr>
-          <p:cNvSpPr>
-            <a:spLocks noGrp="1"/>
-          </p:cNvSpPr>
+      <p:pic>
+        <p:nvPicPr>
+          <p:cNvPr id="5" name="Marcador de Posição de Conteúdo 4">
+            <a:extLst>
+              <a:ext uri="{FF2B5EF4-FFF2-40B4-BE49-F238E27FC236}">
+                <a16:creationId xmlns:a16="http://schemas.microsoft.com/office/drawing/2014/main" id="{29B936F3-25E1-FD8A-79E1-330DEAD97EBD}"/>
+              </a:ext>
+            </a:extLst>
+          </p:cNvPr>
+          <p:cNvPicPr>
+            <a:picLocks noGrp="1" noChangeAspect="1"/>
+          </p:cNvPicPr>
           <p:nvPr>
             <p:ph idx="1"/>
           </p:nvPr>
+        </p:nvPicPr>
+        <p:blipFill>
+          <a:blip r:embed="rId2">
+            <a:extLst>
+              <a:ext uri="{28A0092B-C50C-407E-A947-70E740481C1C}">
+                <a14:useLocalDpi xmlns:a14="http://schemas.microsoft.com/office/drawing/2010/main" val="0"/>
+              </a:ext>
+            </a:extLst>
+          </a:blip>
+          <a:stretch>
+            <a:fillRect/>
+          </a:stretch>
+        </p:blipFill>
+        <p:spPr>
+          <a:xfrm>
+            <a:off x="6471520" y="2012439"/>
+            <a:ext cx="4351338" cy="4351338"/>
+          </a:xfrm>
+        </p:spPr>
+      </p:pic>
+      <p:sp>
+        <p:nvSpPr>
+          <p:cNvPr id="10" name="Marcador de Posição do Número do Diapositivo 9">
+            <a:extLst>
+              <a:ext uri="{FF2B5EF4-FFF2-40B4-BE49-F238E27FC236}">
+                <a16:creationId xmlns:a16="http://schemas.microsoft.com/office/drawing/2014/main" id="{9F5DB78E-9BDE-0E21-B202-204C67DF26B7}"/>
+              </a:ext>
+            </a:extLst>
+          </p:cNvPr>
+          <p:cNvSpPr>
+            <a:spLocks noGrp="1"/>
+          </p:cNvSpPr>
+          <p:nvPr>
+            <p:ph type="sldNum" sz="quarter" idx="12"/>
+          </p:nvPr>
         </p:nvSpPr>
         <p:spPr/>
         <p:txBody>
           <a:bodyPr/>
           <a:lstStyle/>
           <a:p>
-            <a:endParaRPr lang="pt-PT" dirty="0"/>
+            <a:fld id="{D2488979-0601-44F6-98C5-0A7FB925EDBF}" type="slidenum">
+              <a:rPr lang="pt-PT" smtClean="0"/>
+              <a:t>4</a:t>
+            </a:fld>
+            <a:endParaRPr lang="pt-PT"/>
+          </a:p>
+        </p:txBody>
+      </p:sp>
+      <p:sp>
+        <p:nvSpPr>
+          <p:cNvPr id="11" name="Marcador de Posição do Rodapé 10">
+            <a:extLst>
+              <a:ext uri="{FF2B5EF4-FFF2-40B4-BE49-F238E27FC236}">
+                <a16:creationId xmlns:a16="http://schemas.microsoft.com/office/drawing/2014/main" id="{4BF9FAAE-85E7-F767-CA26-FF15503F069C}"/>
+              </a:ext>
+            </a:extLst>
+          </p:cNvPr>
+          <p:cNvSpPr>
+            <a:spLocks noGrp="1"/>
+          </p:cNvSpPr>
+          <p:nvPr>
+            <p:ph type="ftr" sz="quarter" idx="11"/>
+          </p:nvPr>
+        </p:nvSpPr>
+        <p:spPr/>
+        <p:txBody>
+          <a:bodyPr/>
+          <a:lstStyle/>
+          <a:p>
+            <a:r>
+              <a:rPr lang="pt-PT"/>
+              <a:t>Ana Ortigoso | Marco Gaspar</a:t>
+            </a:r>
           </a:p>
         </p:txBody>
       </p:sp>
